--- a/Week_03/Day_4/week3_day4_presentation.pptx
+++ b/Week_03/Day_4/week3_day4_presentation.pptx
@@ -110,12 +110,18 @@
       </a:defRPr>
     </a:lvl9pPr>
   </p:defaultTextStyle>
+  <p:extLst>
+    <p:ext uri="{EFAFB233-063F-42B5-8137-9DF3F51BA10A}">
+      <p15:sldGuideLst xmlns:p15="http://schemas.microsoft.com/office/powerpoint/2012/main"/>
+    </p:ext>
+  </p:extLst>
 </p:presentation>
 </file>
 
 <file path=ppt/revisionInfo.xml><?xml version="1.0" encoding="utf-8"?>
 <p1510:revInfo xmlns:a="http://schemas.openxmlformats.org/drawingml/2006/main" xmlns:r="http://schemas.openxmlformats.org/officeDocument/2006/relationships" xmlns:p1510="http://schemas.microsoft.com/office/powerpoint/2015/10/main">
   <p1510:revLst>
+    <p1510:client id="{D3C74465-D665-47BE-B5B3-E29F92FD207B}" v="3" dt="2022-07-29T08:27:36.653"/>
     <p1510:client id="{D9DA6DF4-68A5-491A-8C4F-997C1C535671}" v="2" dt="2022-07-28T22:28:25.339"/>
   </p1510:revLst>
 </p1510:revInfo>
@@ -3164,7 +3170,7 @@
           <a:p>
             <a:fld id="{2FBFF7A0-EDDF-41E7-A3F0-126868857F82}" type="datetimeFigureOut">
               <a:rPr lang="en-GB" smtClean="0"/>
-              <a:t>28/07/2022</a:t>
+              <a:t>29/07/2022</a:t>
             </a:fld>
             <a:endParaRPr lang="en-GB"/>
           </a:p>
@@ -3815,7 +3821,7 @@
           <a:p>
             <a:fld id="{59603FD2-2EC3-40AF-BF59-A62BAE417ED8}" type="datetimeFigureOut">
               <a:rPr lang="en-GB" smtClean="0"/>
-              <a:t>28/07/2022</a:t>
+              <a:t>29/07/2022</a:t>
             </a:fld>
             <a:endParaRPr lang="en-GB"/>
           </a:p>
@@ -4015,7 +4021,7 @@
           <a:p>
             <a:fld id="{59603FD2-2EC3-40AF-BF59-A62BAE417ED8}" type="datetimeFigureOut">
               <a:rPr lang="en-GB" smtClean="0"/>
-              <a:t>28/07/2022</a:t>
+              <a:t>29/07/2022</a:t>
             </a:fld>
             <a:endParaRPr lang="en-GB"/>
           </a:p>
@@ -4225,7 +4231,7 @@
           <a:p>
             <a:fld id="{59603FD2-2EC3-40AF-BF59-A62BAE417ED8}" type="datetimeFigureOut">
               <a:rPr lang="en-GB" smtClean="0"/>
-              <a:t>28/07/2022</a:t>
+              <a:t>29/07/2022</a:t>
             </a:fld>
             <a:endParaRPr lang="en-GB"/>
           </a:p>
@@ -4425,7 +4431,7 @@
           <a:p>
             <a:fld id="{59603FD2-2EC3-40AF-BF59-A62BAE417ED8}" type="datetimeFigureOut">
               <a:rPr lang="en-GB" smtClean="0"/>
-              <a:t>28/07/2022</a:t>
+              <a:t>29/07/2022</a:t>
             </a:fld>
             <a:endParaRPr lang="en-GB"/>
           </a:p>
@@ -4701,7 +4707,7 @@
           <a:p>
             <a:fld id="{59603FD2-2EC3-40AF-BF59-A62BAE417ED8}" type="datetimeFigureOut">
               <a:rPr lang="en-GB" smtClean="0"/>
-              <a:t>28/07/2022</a:t>
+              <a:t>29/07/2022</a:t>
             </a:fld>
             <a:endParaRPr lang="en-GB"/>
           </a:p>
@@ -4969,7 +4975,7 @@
           <a:p>
             <a:fld id="{59603FD2-2EC3-40AF-BF59-A62BAE417ED8}" type="datetimeFigureOut">
               <a:rPr lang="en-GB" smtClean="0"/>
-              <a:t>28/07/2022</a:t>
+              <a:t>29/07/2022</a:t>
             </a:fld>
             <a:endParaRPr lang="en-GB"/>
           </a:p>
@@ -5384,7 +5390,7 @@
           <a:p>
             <a:fld id="{59603FD2-2EC3-40AF-BF59-A62BAE417ED8}" type="datetimeFigureOut">
               <a:rPr lang="en-GB" smtClean="0"/>
-              <a:t>28/07/2022</a:t>
+              <a:t>29/07/2022</a:t>
             </a:fld>
             <a:endParaRPr lang="en-GB"/>
           </a:p>
@@ -5526,7 +5532,7 @@
           <a:p>
             <a:fld id="{59603FD2-2EC3-40AF-BF59-A62BAE417ED8}" type="datetimeFigureOut">
               <a:rPr lang="en-GB" smtClean="0"/>
-              <a:t>28/07/2022</a:t>
+              <a:t>29/07/2022</a:t>
             </a:fld>
             <a:endParaRPr lang="en-GB"/>
           </a:p>
@@ -5639,7 +5645,7 @@
           <a:p>
             <a:fld id="{59603FD2-2EC3-40AF-BF59-A62BAE417ED8}" type="datetimeFigureOut">
               <a:rPr lang="en-GB" smtClean="0"/>
-              <a:t>28/07/2022</a:t>
+              <a:t>29/07/2022</a:t>
             </a:fld>
             <a:endParaRPr lang="en-GB"/>
           </a:p>
@@ -5952,7 +5958,7 @@
           <a:p>
             <a:fld id="{59603FD2-2EC3-40AF-BF59-A62BAE417ED8}" type="datetimeFigureOut">
               <a:rPr lang="en-GB" smtClean="0"/>
-              <a:t>28/07/2022</a:t>
+              <a:t>29/07/2022</a:t>
             </a:fld>
             <a:endParaRPr lang="en-GB"/>
           </a:p>
@@ -6241,7 +6247,7 @@
           <a:p>
             <a:fld id="{59603FD2-2EC3-40AF-BF59-A62BAE417ED8}" type="datetimeFigureOut">
               <a:rPr lang="en-GB" smtClean="0"/>
-              <a:t>28/07/2022</a:t>
+              <a:t>29/07/2022</a:t>
             </a:fld>
             <a:endParaRPr lang="en-GB"/>
           </a:p>
@@ -6484,7 +6490,7 @@
           <a:p>
             <a:fld id="{59603FD2-2EC3-40AF-BF59-A62BAE417ED8}" type="datetimeFigureOut">
               <a:rPr lang="en-GB" smtClean="0"/>
-              <a:t>28/07/2022</a:t>
+              <a:t>29/07/2022</a:t>
             </a:fld>
             <a:endParaRPr lang="en-GB"/>
           </a:p>
@@ -7170,11 +7176,23 @@
           </a:bodyPr>
           <a:lstStyle/>
           <a:p>
-            <a:endParaRPr lang="en-GB" dirty="0">
-              <a:solidFill>
-                <a:srgbClr val="FFFFFF"/>
-              </a:solidFill>
-            </a:endParaRPr>
+            <a:pPr algn="r"/>
+            <a:r>
+              <a:rPr lang="en-GB">
+                <a:solidFill>
+                  <a:srgbClr val="FFFFFF"/>
+                </a:solidFill>
+              </a:rPr>
+              <a:t>Jamie </a:t>
+            </a:r>
+            <a:r>
+              <a:rPr lang="en-GB" dirty="0">
+                <a:solidFill>
+                  <a:srgbClr val="FFFFFF"/>
+                </a:solidFill>
+              </a:rPr>
+              <a:t>Zike</a:t>
+            </a:r>
           </a:p>
         </p:txBody>
       </p:sp>
